--- a/ppt 16-9/1366.依靠耶和华.pptx
+++ b/ppt 16-9/1366.依靠耶和华.pptx
@@ -129,7 +129,7 @@
           <p:cNvPr id="2" name="标题 1">
             <a:extLst>
               <a:ext uri="{FF2B5EF4-FFF2-40B4-BE49-F238E27FC236}">
-                <a16:creationId xmlns:a16="http://schemas.microsoft.com/office/drawing/2014/main" id="{5F7F8EBE-73E6-3A57-51F0-86AF3BC124FC}"/>
+                <a16:creationId xmlns:a16="http://schemas.microsoft.com/office/drawing/2014/main" id="{02458A4B-720C-CD2B-9DCA-479DD4480647}"/>
               </a:ext>
             </a:extLst>
           </p:cNvPr>
@@ -166,7 +166,7 @@
           <p:cNvPr id="3" name="副标题 2">
             <a:extLst>
               <a:ext uri="{FF2B5EF4-FFF2-40B4-BE49-F238E27FC236}">
-                <a16:creationId xmlns:a16="http://schemas.microsoft.com/office/drawing/2014/main" id="{FFFAE436-E8A5-146F-0EFA-6F9FAD9AE869}"/>
+                <a16:creationId xmlns:a16="http://schemas.microsoft.com/office/drawing/2014/main" id="{CEDC6511-5395-89CE-2294-A0D479136BDE}"/>
               </a:ext>
             </a:extLst>
           </p:cNvPr>
@@ -236,7 +236,7 @@
           <p:cNvPr id="4" name="日期占位符 3">
             <a:extLst>
               <a:ext uri="{FF2B5EF4-FFF2-40B4-BE49-F238E27FC236}">
-                <a16:creationId xmlns:a16="http://schemas.microsoft.com/office/drawing/2014/main" id="{7AB69970-7701-DE97-06D8-D9D1E24B2F73}"/>
+                <a16:creationId xmlns:a16="http://schemas.microsoft.com/office/drawing/2014/main" id="{E98A7973-7633-3FC5-209D-57CB61E754DE}"/>
               </a:ext>
             </a:extLst>
           </p:cNvPr>
@@ -252,7 +252,7 @@
           <a:bodyPr/>
           <a:lstStyle/>
           <a:p>
-            <a:fld id="{369EBCD3-4040-480A-BFFF-4C758DFB1B1B}" type="datetimeFigureOut">
+            <a:fld id="{614CDC36-9BC2-4523-8E69-691F8B046996}" type="datetimeFigureOut">
               <a:rPr lang="zh-CN" altLang="en-US" smtClean="0"/>
               <a:t>2024/3/10</a:t>
             </a:fld>
@@ -265,7 +265,7 @@
           <p:cNvPr id="5" name="页脚占位符 4">
             <a:extLst>
               <a:ext uri="{FF2B5EF4-FFF2-40B4-BE49-F238E27FC236}">
-                <a16:creationId xmlns:a16="http://schemas.microsoft.com/office/drawing/2014/main" id="{8EAB60A7-7344-1DAA-7504-6D4D441B7910}"/>
+                <a16:creationId xmlns:a16="http://schemas.microsoft.com/office/drawing/2014/main" id="{32F4BE67-B2C5-83E1-4ED4-D6F2FC45FFC7}"/>
               </a:ext>
             </a:extLst>
           </p:cNvPr>
@@ -290,7 +290,7 @@
           <p:cNvPr id="6" name="灯片编号占位符 5">
             <a:extLst>
               <a:ext uri="{FF2B5EF4-FFF2-40B4-BE49-F238E27FC236}">
-                <a16:creationId xmlns:a16="http://schemas.microsoft.com/office/drawing/2014/main" id="{B17C6A2F-663E-E02A-1AFA-7308589DFBCC}"/>
+                <a16:creationId xmlns:a16="http://schemas.microsoft.com/office/drawing/2014/main" id="{E4D63515-C714-9FCD-074B-2E547EDDFC73}"/>
               </a:ext>
             </a:extLst>
           </p:cNvPr>
@@ -306,7 +306,7 @@
           <a:bodyPr/>
           <a:lstStyle/>
           <a:p>
-            <a:fld id="{C4D98CCC-F6CD-4900-B606-15B4A29785B5}" type="slidenum">
+            <a:fld id="{EA878DA5-F6E7-4A3B-AE6F-69BB189780F2}" type="slidenum">
               <a:rPr lang="zh-CN" altLang="en-US" smtClean="0"/>
               <a:t>‹#›</a:t>
             </a:fld>
@@ -317,7 +317,7 @@
     </p:spTree>
     <p:extLst>
       <p:ext uri="{BB962C8B-B14F-4D97-AF65-F5344CB8AC3E}">
-        <p14:creationId xmlns:p14="http://schemas.microsoft.com/office/powerpoint/2010/main" val="2313063564"/>
+        <p14:creationId xmlns:p14="http://schemas.microsoft.com/office/powerpoint/2010/main" val="1426597992"/>
       </p:ext>
     </p:extLst>
   </p:cSld>
@@ -349,7 +349,7 @@
           <p:cNvPr id="2" name="标题 1">
             <a:extLst>
               <a:ext uri="{FF2B5EF4-FFF2-40B4-BE49-F238E27FC236}">
-                <a16:creationId xmlns:a16="http://schemas.microsoft.com/office/drawing/2014/main" id="{C0FB80EA-9D0F-3AA1-DE87-4A599F7398A5}"/>
+                <a16:creationId xmlns:a16="http://schemas.microsoft.com/office/drawing/2014/main" id="{27A73EE7-2F10-86DF-9E81-5F425E04B0EC}"/>
               </a:ext>
             </a:extLst>
           </p:cNvPr>
@@ -377,7 +377,7 @@
           <p:cNvPr id="3" name="竖排文字占位符 2">
             <a:extLst>
               <a:ext uri="{FF2B5EF4-FFF2-40B4-BE49-F238E27FC236}">
-                <a16:creationId xmlns:a16="http://schemas.microsoft.com/office/drawing/2014/main" id="{FA9BBB2C-2A7D-E4BD-584E-1C2A95D1477E}"/>
+                <a16:creationId xmlns:a16="http://schemas.microsoft.com/office/drawing/2014/main" id="{5BE34998-9510-D140-369C-D53BDE19BDFF}"/>
               </a:ext>
             </a:extLst>
           </p:cNvPr>
@@ -434,7 +434,7 @@
           <p:cNvPr id="4" name="日期占位符 3">
             <a:extLst>
               <a:ext uri="{FF2B5EF4-FFF2-40B4-BE49-F238E27FC236}">
-                <a16:creationId xmlns:a16="http://schemas.microsoft.com/office/drawing/2014/main" id="{BD8C5951-0954-01F9-F75E-5287EA2D886F}"/>
+                <a16:creationId xmlns:a16="http://schemas.microsoft.com/office/drawing/2014/main" id="{4DA82666-AEA1-BA60-14A4-C2EE0684F002}"/>
               </a:ext>
             </a:extLst>
           </p:cNvPr>
@@ -450,7 +450,7 @@
           <a:bodyPr/>
           <a:lstStyle/>
           <a:p>
-            <a:fld id="{369EBCD3-4040-480A-BFFF-4C758DFB1B1B}" type="datetimeFigureOut">
+            <a:fld id="{614CDC36-9BC2-4523-8E69-691F8B046996}" type="datetimeFigureOut">
               <a:rPr lang="zh-CN" altLang="en-US" smtClean="0"/>
               <a:t>2024/3/10</a:t>
             </a:fld>
@@ -463,7 +463,7 @@
           <p:cNvPr id="5" name="页脚占位符 4">
             <a:extLst>
               <a:ext uri="{FF2B5EF4-FFF2-40B4-BE49-F238E27FC236}">
-                <a16:creationId xmlns:a16="http://schemas.microsoft.com/office/drawing/2014/main" id="{BFC85BA4-0462-B11E-C31B-6EFCFBC1FF87}"/>
+                <a16:creationId xmlns:a16="http://schemas.microsoft.com/office/drawing/2014/main" id="{84ECF774-E07B-D0BC-35E6-E5CF4AFF33DE}"/>
               </a:ext>
             </a:extLst>
           </p:cNvPr>
@@ -488,7 +488,7 @@
           <p:cNvPr id="6" name="灯片编号占位符 5">
             <a:extLst>
               <a:ext uri="{FF2B5EF4-FFF2-40B4-BE49-F238E27FC236}">
-                <a16:creationId xmlns:a16="http://schemas.microsoft.com/office/drawing/2014/main" id="{02A5993E-196B-60EC-0C84-8E26D7874BD2}"/>
+                <a16:creationId xmlns:a16="http://schemas.microsoft.com/office/drawing/2014/main" id="{52FDFC04-EDD9-15F7-87D6-B1B8EF0BDCCA}"/>
               </a:ext>
             </a:extLst>
           </p:cNvPr>
@@ -504,7 +504,7 @@
           <a:bodyPr/>
           <a:lstStyle/>
           <a:p>
-            <a:fld id="{C4D98CCC-F6CD-4900-B606-15B4A29785B5}" type="slidenum">
+            <a:fld id="{EA878DA5-F6E7-4A3B-AE6F-69BB189780F2}" type="slidenum">
               <a:rPr lang="zh-CN" altLang="en-US" smtClean="0"/>
               <a:t>‹#›</a:t>
             </a:fld>
@@ -515,7 +515,7 @@
     </p:spTree>
     <p:extLst>
       <p:ext uri="{BB962C8B-B14F-4D97-AF65-F5344CB8AC3E}">
-        <p14:creationId xmlns:p14="http://schemas.microsoft.com/office/powerpoint/2010/main" val="1297866649"/>
+        <p14:creationId xmlns:p14="http://schemas.microsoft.com/office/powerpoint/2010/main" val="838477838"/>
       </p:ext>
     </p:extLst>
   </p:cSld>
@@ -547,7 +547,7 @@
           <p:cNvPr id="2" name="竖排标题 1">
             <a:extLst>
               <a:ext uri="{FF2B5EF4-FFF2-40B4-BE49-F238E27FC236}">
-                <a16:creationId xmlns:a16="http://schemas.microsoft.com/office/drawing/2014/main" id="{EF6A6173-DE3A-2AA0-88C0-F039A6E6C999}"/>
+                <a16:creationId xmlns:a16="http://schemas.microsoft.com/office/drawing/2014/main" id="{999A7CCC-5A8B-F461-1903-2CED4D35CAC4}"/>
               </a:ext>
             </a:extLst>
           </p:cNvPr>
@@ -580,7 +580,7 @@
           <p:cNvPr id="3" name="竖排文字占位符 2">
             <a:extLst>
               <a:ext uri="{FF2B5EF4-FFF2-40B4-BE49-F238E27FC236}">
-                <a16:creationId xmlns:a16="http://schemas.microsoft.com/office/drawing/2014/main" id="{A84B1D98-7684-04CB-95AD-9BDCADD37BB8}"/>
+                <a16:creationId xmlns:a16="http://schemas.microsoft.com/office/drawing/2014/main" id="{F28F7052-A853-0CBD-E9F4-F2E7E0986704}"/>
               </a:ext>
             </a:extLst>
           </p:cNvPr>
@@ -642,7 +642,7 @@
           <p:cNvPr id="4" name="日期占位符 3">
             <a:extLst>
               <a:ext uri="{FF2B5EF4-FFF2-40B4-BE49-F238E27FC236}">
-                <a16:creationId xmlns:a16="http://schemas.microsoft.com/office/drawing/2014/main" id="{390F53C4-9009-1D9F-BA54-7ADC52263C3F}"/>
+                <a16:creationId xmlns:a16="http://schemas.microsoft.com/office/drawing/2014/main" id="{624BDA63-9632-B2DB-A9ED-B1FD9DA171AE}"/>
               </a:ext>
             </a:extLst>
           </p:cNvPr>
@@ -658,7 +658,7 @@
           <a:bodyPr/>
           <a:lstStyle/>
           <a:p>
-            <a:fld id="{369EBCD3-4040-480A-BFFF-4C758DFB1B1B}" type="datetimeFigureOut">
+            <a:fld id="{614CDC36-9BC2-4523-8E69-691F8B046996}" type="datetimeFigureOut">
               <a:rPr lang="zh-CN" altLang="en-US" smtClean="0"/>
               <a:t>2024/3/10</a:t>
             </a:fld>
@@ -671,7 +671,7 @@
           <p:cNvPr id="5" name="页脚占位符 4">
             <a:extLst>
               <a:ext uri="{FF2B5EF4-FFF2-40B4-BE49-F238E27FC236}">
-                <a16:creationId xmlns:a16="http://schemas.microsoft.com/office/drawing/2014/main" id="{B24F66FF-066C-5657-1627-3986D8FC7E48}"/>
+                <a16:creationId xmlns:a16="http://schemas.microsoft.com/office/drawing/2014/main" id="{99A25D29-0688-C1F2-C1DE-FC0D324E9DA0}"/>
               </a:ext>
             </a:extLst>
           </p:cNvPr>
@@ -696,7 +696,7 @@
           <p:cNvPr id="6" name="灯片编号占位符 5">
             <a:extLst>
               <a:ext uri="{FF2B5EF4-FFF2-40B4-BE49-F238E27FC236}">
-                <a16:creationId xmlns:a16="http://schemas.microsoft.com/office/drawing/2014/main" id="{40A9FE13-C259-2167-8012-08239D378DF3}"/>
+                <a16:creationId xmlns:a16="http://schemas.microsoft.com/office/drawing/2014/main" id="{C586251A-25F6-D6B1-8B42-F824A4CEE0E0}"/>
               </a:ext>
             </a:extLst>
           </p:cNvPr>
@@ -712,7 +712,7 @@
           <a:bodyPr/>
           <a:lstStyle/>
           <a:p>
-            <a:fld id="{C4D98CCC-F6CD-4900-B606-15B4A29785B5}" type="slidenum">
+            <a:fld id="{EA878DA5-F6E7-4A3B-AE6F-69BB189780F2}" type="slidenum">
               <a:rPr lang="zh-CN" altLang="en-US" smtClean="0"/>
               <a:t>‹#›</a:t>
             </a:fld>
@@ -723,7 +723,7 @@
     </p:spTree>
     <p:extLst>
       <p:ext uri="{BB962C8B-B14F-4D97-AF65-F5344CB8AC3E}">
-        <p14:creationId xmlns:p14="http://schemas.microsoft.com/office/powerpoint/2010/main" val="1947193220"/>
+        <p14:creationId xmlns:p14="http://schemas.microsoft.com/office/powerpoint/2010/main" val="1906789077"/>
       </p:ext>
     </p:extLst>
   </p:cSld>
@@ -755,7 +755,7 @@
           <p:cNvPr id="2" name="标题 1">
             <a:extLst>
               <a:ext uri="{FF2B5EF4-FFF2-40B4-BE49-F238E27FC236}">
-                <a16:creationId xmlns:a16="http://schemas.microsoft.com/office/drawing/2014/main" id="{C18ACC39-A0EB-C425-74B7-D081B3FF9B1D}"/>
+                <a16:creationId xmlns:a16="http://schemas.microsoft.com/office/drawing/2014/main" id="{178D0BFA-E558-D28F-967F-E0725A1F8CE7}"/>
               </a:ext>
             </a:extLst>
           </p:cNvPr>
@@ -783,7 +783,7 @@
           <p:cNvPr id="3" name="内容占位符 2">
             <a:extLst>
               <a:ext uri="{FF2B5EF4-FFF2-40B4-BE49-F238E27FC236}">
-                <a16:creationId xmlns:a16="http://schemas.microsoft.com/office/drawing/2014/main" id="{5E7D0AC4-EEFA-48B4-EB16-CCFEE5964178}"/>
+                <a16:creationId xmlns:a16="http://schemas.microsoft.com/office/drawing/2014/main" id="{C983BC2C-50F6-8B70-966D-2EA71812EE6A}"/>
               </a:ext>
             </a:extLst>
           </p:cNvPr>
@@ -840,7 +840,7 @@
           <p:cNvPr id="4" name="日期占位符 3">
             <a:extLst>
               <a:ext uri="{FF2B5EF4-FFF2-40B4-BE49-F238E27FC236}">
-                <a16:creationId xmlns:a16="http://schemas.microsoft.com/office/drawing/2014/main" id="{968A40BE-8FF7-A041-DF0D-B670605CB373}"/>
+                <a16:creationId xmlns:a16="http://schemas.microsoft.com/office/drawing/2014/main" id="{D9914CB6-24AA-82D9-1E3C-EBE4FDB4E5A7}"/>
               </a:ext>
             </a:extLst>
           </p:cNvPr>
@@ -856,7 +856,7 @@
           <a:bodyPr/>
           <a:lstStyle/>
           <a:p>
-            <a:fld id="{369EBCD3-4040-480A-BFFF-4C758DFB1B1B}" type="datetimeFigureOut">
+            <a:fld id="{614CDC36-9BC2-4523-8E69-691F8B046996}" type="datetimeFigureOut">
               <a:rPr lang="zh-CN" altLang="en-US" smtClean="0"/>
               <a:t>2024/3/10</a:t>
             </a:fld>
@@ -869,7 +869,7 @@
           <p:cNvPr id="5" name="页脚占位符 4">
             <a:extLst>
               <a:ext uri="{FF2B5EF4-FFF2-40B4-BE49-F238E27FC236}">
-                <a16:creationId xmlns:a16="http://schemas.microsoft.com/office/drawing/2014/main" id="{CAD14ADF-BA17-B6B7-06C6-78AD609B29CB}"/>
+                <a16:creationId xmlns:a16="http://schemas.microsoft.com/office/drawing/2014/main" id="{A0F991DB-A1F7-0611-BD06-333D9738B015}"/>
               </a:ext>
             </a:extLst>
           </p:cNvPr>
@@ -894,7 +894,7 @@
           <p:cNvPr id="6" name="灯片编号占位符 5">
             <a:extLst>
               <a:ext uri="{FF2B5EF4-FFF2-40B4-BE49-F238E27FC236}">
-                <a16:creationId xmlns:a16="http://schemas.microsoft.com/office/drawing/2014/main" id="{88FE3449-5277-10BC-E3C3-14FBBEA696D1}"/>
+                <a16:creationId xmlns:a16="http://schemas.microsoft.com/office/drawing/2014/main" id="{A0193024-7021-0947-17CD-568E928FCD09}"/>
               </a:ext>
             </a:extLst>
           </p:cNvPr>
@@ -910,7 +910,7 @@
           <a:bodyPr/>
           <a:lstStyle/>
           <a:p>
-            <a:fld id="{C4D98CCC-F6CD-4900-B606-15B4A29785B5}" type="slidenum">
+            <a:fld id="{EA878DA5-F6E7-4A3B-AE6F-69BB189780F2}" type="slidenum">
               <a:rPr lang="zh-CN" altLang="en-US" smtClean="0"/>
               <a:t>‹#›</a:t>
             </a:fld>
@@ -921,7 +921,7 @@
     </p:spTree>
     <p:extLst>
       <p:ext uri="{BB962C8B-B14F-4D97-AF65-F5344CB8AC3E}">
-        <p14:creationId xmlns:p14="http://schemas.microsoft.com/office/powerpoint/2010/main" val="3994814884"/>
+        <p14:creationId xmlns:p14="http://schemas.microsoft.com/office/powerpoint/2010/main" val="386231903"/>
       </p:ext>
     </p:extLst>
   </p:cSld>
@@ -953,7 +953,7 @@
           <p:cNvPr id="2" name="标题 1">
             <a:extLst>
               <a:ext uri="{FF2B5EF4-FFF2-40B4-BE49-F238E27FC236}">
-                <a16:creationId xmlns:a16="http://schemas.microsoft.com/office/drawing/2014/main" id="{AFA3F992-CC06-0768-716F-4D4717E68804}"/>
+                <a16:creationId xmlns:a16="http://schemas.microsoft.com/office/drawing/2014/main" id="{4068FBE1-60D6-7F19-1493-ECAC38F1A48D}"/>
               </a:ext>
             </a:extLst>
           </p:cNvPr>
@@ -990,7 +990,7 @@
           <p:cNvPr id="3" name="文本占位符 2">
             <a:extLst>
               <a:ext uri="{FF2B5EF4-FFF2-40B4-BE49-F238E27FC236}">
-                <a16:creationId xmlns:a16="http://schemas.microsoft.com/office/drawing/2014/main" id="{7074C7C9-0E7A-3F7A-296A-F8900C2785F4}"/>
+                <a16:creationId xmlns:a16="http://schemas.microsoft.com/office/drawing/2014/main" id="{42573288-210B-9025-8791-2C871A173CC8}"/>
               </a:ext>
             </a:extLst>
           </p:cNvPr>
@@ -1115,7 +1115,7 @@
           <p:cNvPr id="4" name="日期占位符 3">
             <a:extLst>
               <a:ext uri="{FF2B5EF4-FFF2-40B4-BE49-F238E27FC236}">
-                <a16:creationId xmlns:a16="http://schemas.microsoft.com/office/drawing/2014/main" id="{3CA65CCC-740F-EBC0-D1CC-2C1960D9BF88}"/>
+                <a16:creationId xmlns:a16="http://schemas.microsoft.com/office/drawing/2014/main" id="{0651823E-66E6-69C0-585B-90D0A9CD4028}"/>
               </a:ext>
             </a:extLst>
           </p:cNvPr>
@@ -1131,7 +1131,7 @@
           <a:bodyPr/>
           <a:lstStyle/>
           <a:p>
-            <a:fld id="{369EBCD3-4040-480A-BFFF-4C758DFB1B1B}" type="datetimeFigureOut">
+            <a:fld id="{614CDC36-9BC2-4523-8E69-691F8B046996}" type="datetimeFigureOut">
               <a:rPr lang="zh-CN" altLang="en-US" smtClean="0"/>
               <a:t>2024/3/10</a:t>
             </a:fld>
@@ -1144,7 +1144,7 @@
           <p:cNvPr id="5" name="页脚占位符 4">
             <a:extLst>
               <a:ext uri="{FF2B5EF4-FFF2-40B4-BE49-F238E27FC236}">
-                <a16:creationId xmlns:a16="http://schemas.microsoft.com/office/drawing/2014/main" id="{D8F16AC1-5526-37D5-8737-61C37F51AE17}"/>
+                <a16:creationId xmlns:a16="http://schemas.microsoft.com/office/drawing/2014/main" id="{EE10CAF3-6814-ED1B-EF81-E186E6D72B2F}"/>
               </a:ext>
             </a:extLst>
           </p:cNvPr>
@@ -1169,7 +1169,7 @@
           <p:cNvPr id="6" name="灯片编号占位符 5">
             <a:extLst>
               <a:ext uri="{FF2B5EF4-FFF2-40B4-BE49-F238E27FC236}">
-                <a16:creationId xmlns:a16="http://schemas.microsoft.com/office/drawing/2014/main" id="{6F746C1F-4457-87D9-1859-53DA27E32153}"/>
+                <a16:creationId xmlns:a16="http://schemas.microsoft.com/office/drawing/2014/main" id="{1491DA55-5095-487A-85E5-27F635E64BD0}"/>
               </a:ext>
             </a:extLst>
           </p:cNvPr>
@@ -1185,7 +1185,7 @@
           <a:bodyPr/>
           <a:lstStyle/>
           <a:p>
-            <a:fld id="{C4D98CCC-F6CD-4900-B606-15B4A29785B5}" type="slidenum">
+            <a:fld id="{EA878DA5-F6E7-4A3B-AE6F-69BB189780F2}" type="slidenum">
               <a:rPr lang="zh-CN" altLang="en-US" smtClean="0"/>
               <a:t>‹#›</a:t>
             </a:fld>
@@ -1196,7 +1196,7 @@
     </p:spTree>
     <p:extLst>
       <p:ext uri="{BB962C8B-B14F-4D97-AF65-F5344CB8AC3E}">
-        <p14:creationId xmlns:p14="http://schemas.microsoft.com/office/powerpoint/2010/main" val="3015194225"/>
+        <p14:creationId xmlns:p14="http://schemas.microsoft.com/office/powerpoint/2010/main" val="3671919132"/>
       </p:ext>
     </p:extLst>
   </p:cSld>
@@ -1228,7 +1228,7 @@
           <p:cNvPr id="2" name="标题 1">
             <a:extLst>
               <a:ext uri="{FF2B5EF4-FFF2-40B4-BE49-F238E27FC236}">
-                <a16:creationId xmlns:a16="http://schemas.microsoft.com/office/drawing/2014/main" id="{185AD22B-67D2-19AA-B40B-84D9C515223A}"/>
+                <a16:creationId xmlns:a16="http://schemas.microsoft.com/office/drawing/2014/main" id="{FAF7A5BA-A863-A514-7846-EBB54360284B}"/>
               </a:ext>
             </a:extLst>
           </p:cNvPr>
@@ -1256,7 +1256,7 @@
           <p:cNvPr id="3" name="内容占位符 2">
             <a:extLst>
               <a:ext uri="{FF2B5EF4-FFF2-40B4-BE49-F238E27FC236}">
-                <a16:creationId xmlns:a16="http://schemas.microsoft.com/office/drawing/2014/main" id="{5946FD7A-4923-53DE-FD94-EA99431AF48B}"/>
+                <a16:creationId xmlns:a16="http://schemas.microsoft.com/office/drawing/2014/main" id="{802C8B99-D8CD-D108-6F97-BAD1DF597590}"/>
               </a:ext>
             </a:extLst>
           </p:cNvPr>
@@ -1318,7 +1318,7 @@
           <p:cNvPr id="4" name="内容占位符 3">
             <a:extLst>
               <a:ext uri="{FF2B5EF4-FFF2-40B4-BE49-F238E27FC236}">
-                <a16:creationId xmlns:a16="http://schemas.microsoft.com/office/drawing/2014/main" id="{500A0BB0-6EA0-3291-5BC1-01DDD33C2D5B}"/>
+                <a16:creationId xmlns:a16="http://schemas.microsoft.com/office/drawing/2014/main" id="{6E9174B9-6B25-DF89-AA9F-E6ACD7E35C29}"/>
               </a:ext>
             </a:extLst>
           </p:cNvPr>
@@ -1380,7 +1380,7 @@
           <p:cNvPr id="5" name="日期占位符 4">
             <a:extLst>
               <a:ext uri="{FF2B5EF4-FFF2-40B4-BE49-F238E27FC236}">
-                <a16:creationId xmlns:a16="http://schemas.microsoft.com/office/drawing/2014/main" id="{28AF61A1-E09E-14C0-B19E-86C88AA5AC69}"/>
+                <a16:creationId xmlns:a16="http://schemas.microsoft.com/office/drawing/2014/main" id="{29F9DF44-8359-E75B-0E2C-6A268A48D90D}"/>
               </a:ext>
             </a:extLst>
           </p:cNvPr>
@@ -1396,7 +1396,7 @@
           <a:bodyPr/>
           <a:lstStyle/>
           <a:p>
-            <a:fld id="{369EBCD3-4040-480A-BFFF-4C758DFB1B1B}" type="datetimeFigureOut">
+            <a:fld id="{614CDC36-9BC2-4523-8E69-691F8B046996}" type="datetimeFigureOut">
               <a:rPr lang="zh-CN" altLang="en-US" smtClean="0"/>
               <a:t>2024/3/10</a:t>
             </a:fld>
@@ -1409,7 +1409,7 @@
           <p:cNvPr id="6" name="页脚占位符 5">
             <a:extLst>
               <a:ext uri="{FF2B5EF4-FFF2-40B4-BE49-F238E27FC236}">
-                <a16:creationId xmlns:a16="http://schemas.microsoft.com/office/drawing/2014/main" id="{C08194EA-193D-4A4D-A02C-FA2D26E6308A}"/>
+                <a16:creationId xmlns:a16="http://schemas.microsoft.com/office/drawing/2014/main" id="{2C63A065-5659-29C5-5074-7DD35C2DDD4C}"/>
               </a:ext>
             </a:extLst>
           </p:cNvPr>
@@ -1434,7 +1434,7 @@
           <p:cNvPr id="7" name="灯片编号占位符 6">
             <a:extLst>
               <a:ext uri="{FF2B5EF4-FFF2-40B4-BE49-F238E27FC236}">
-                <a16:creationId xmlns:a16="http://schemas.microsoft.com/office/drawing/2014/main" id="{B6F0DAB9-1907-ADB2-45AC-03B13BDF9E63}"/>
+                <a16:creationId xmlns:a16="http://schemas.microsoft.com/office/drawing/2014/main" id="{AE0DB968-F29A-F9B7-6641-5AFAECEBCCF6}"/>
               </a:ext>
             </a:extLst>
           </p:cNvPr>
@@ -1450,7 +1450,7 @@
           <a:bodyPr/>
           <a:lstStyle/>
           <a:p>
-            <a:fld id="{C4D98CCC-F6CD-4900-B606-15B4A29785B5}" type="slidenum">
+            <a:fld id="{EA878DA5-F6E7-4A3B-AE6F-69BB189780F2}" type="slidenum">
               <a:rPr lang="zh-CN" altLang="en-US" smtClean="0"/>
               <a:t>‹#›</a:t>
             </a:fld>
@@ -1461,7 +1461,7 @@
     </p:spTree>
     <p:extLst>
       <p:ext uri="{BB962C8B-B14F-4D97-AF65-F5344CB8AC3E}">
-        <p14:creationId xmlns:p14="http://schemas.microsoft.com/office/powerpoint/2010/main" val="2021902152"/>
+        <p14:creationId xmlns:p14="http://schemas.microsoft.com/office/powerpoint/2010/main" val="2864038551"/>
       </p:ext>
     </p:extLst>
   </p:cSld>
@@ -1493,7 +1493,7 @@
           <p:cNvPr id="2" name="标题 1">
             <a:extLst>
               <a:ext uri="{FF2B5EF4-FFF2-40B4-BE49-F238E27FC236}">
-                <a16:creationId xmlns:a16="http://schemas.microsoft.com/office/drawing/2014/main" id="{352CA5A5-0FDB-8524-11B8-FB4124C92A67}"/>
+                <a16:creationId xmlns:a16="http://schemas.microsoft.com/office/drawing/2014/main" id="{B34CB625-EEBF-223A-BED2-50C8BF72107C}"/>
               </a:ext>
             </a:extLst>
           </p:cNvPr>
@@ -1526,7 +1526,7 @@
           <p:cNvPr id="3" name="文本占位符 2">
             <a:extLst>
               <a:ext uri="{FF2B5EF4-FFF2-40B4-BE49-F238E27FC236}">
-                <a16:creationId xmlns:a16="http://schemas.microsoft.com/office/drawing/2014/main" id="{419DC7AF-AA1C-5FC1-742C-137B54383531}"/>
+                <a16:creationId xmlns:a16="http://schemas.microsoft.com/office/drawing/2014/main" id="{4505E5F2-F99D-F719-B0B3-CE3AF4A08942}"/>
               </a:ext>
             </a:extLst>
           </p:cNvPr>
@@ -1597,7 +1597,7 @@
           <p:cNvPr id="4" name="内容占位符 3">
             <a:extLst>
               <a:ext uri="{FF2B5EF4-FFF2-40B4-BE49-F238E27FC236}">
-                <a16:creationId xmlns:a16="http://schemas.microsoft.com/office/drawing/2014/main" id="{6BF3338F-A0D0-F368-411B-49454BB6572D}"/>
+                <a16:creationId xmlns:a16="http://schemas.microsoft.com/office/drawing/2014/main" id="{479D098A-2F17-4615-2ED9-27EA06F3D596}"/>
               </a:ext>
             </a:extLst>
           </p:cNvPr>
@@ -1659,7 +1659,7 @@
           <p:cNvPr id="5" name="文本占位符 4">
             <a:extLst>
               <a:ext uri="{FF2B5EF4-FFF2-40B4-BE49-F238E27FC236}">
-                <a16:creationId xmlns:a16="http://schemas.microsoft.com/office/drawing/2014/main" id="{78E36ACB-A720-4F16-1386-5F82F1D3B9B6}"/>
+                <a16:creationId xmlns:a16="http://schemas.microsoft.com/office/drawing/2014/main" id="{44785650-D197-7B2C-4403-C185E2449FC8}"/>
               </a:ext>
             </a:extLst>
           </p:cNvPr>
@@ -1730,7 +1730,7 @@
           <p:cNvPr id="6" name="内容占位符 5">
             <a:extLst>
               <a:ext uri="{FF2B5EF4-FFF2-40B4-BE49-F238E27FC236}">
-                <a16:creationId xmlns:a16="http://schemas.microsoft.com/office/drawing/2014/main" id="{4B62651A-FCF6-5504-A412-A901967F0F97}"/>
+                <a16:creationId xmlns:a16="http://schemas.microsoft.com/office/drawing/2014/main" id="{C260DC88-5689-E21F-4BB8-CB4BE90266F5}"/>
               </a:ext>
             </a:extLst>
           </p:cNvPr>
@@ -1792,7 +1792,7 @@
           <p:cNvPr id="7" name="日期占位符 6">
             <a:extLst>
               <a:ext uri="{FF2B5EF4-FFF2-40B4-BE49-F238E27FC236}">
-                <a16:creationId xmlns:a16="http://schemas.microsoft.com/office/drawing/2014/main" id="{5E154023-DF2D-0A2B-B1ED-29269F367783}"/>
+                <a16:creationId xmlns:a16="http://schemas.microsoft.com/office/drawing/2014/main" id="{727E8A3A-6C7F-651E-930D-400BE6C3C5D8}"/>
               </a:ext>
             </a:extLst>
           </p:cNvPr>
@@ -1808,7 +1808,7 @@
           <a:bodyPr/>
           <a:lstStyle/>
           <a:p>
-            <a:fld id="{369EBCD3-4040-480A-BFFF-4C758DFB1B1B}" type="datetimeFigureOut">
+            <a:fld id="{614CDC36-9BC2-4523-8E69-691F8B046996}" type="datetimeFigureOut">
               <a:rPr lang="zh-CN" altLang="en-US" smtClean="0"/>
               <a:t>2024/3/10</a:t>
             </a:fld>
@@ -1821,7 +1821,7 @@
           <p:cNvPr id="8" name="页脚占位符 7">
             <a:extLst>
               <a:ext uri="{FF2B5EF4-FFF2-40B4-BE49-F238E27FC236}">
-                <a16:creationId xmlns:a16="http://schemas.microsoft.com/office/drawing/2014/main" id="{C89405C4-ECC9-123F-7374-F880C6B4FFD9}"/>
+                <a16:creationId xmlns:a16="http://schemas.microsoft.com/office/drawing/2014/main" id="{921EC74C-1693-8FCD-48A4-7DB8099FCD74}"/>
               </a:ext>
             </a:extLst>
           </p:cNvPr>
@@ -1846,7 +1846,7 @@
           <p:cNvPr id="9" name="灯片编号占位符 8">
             <a:extLst>
               <a:ext uri="{FF2B5EF4-FFF2-40B4-BE49-F238E27FC236}">
-                <a16:creationId xmlns:a16="http://schemas.microsoft.com/office/drawing/2014/main" id="{3B6B3753-080A-D654-1F73-EC1536392B47}"/>
+                <a16:creationId xmlns:a16="http://schemas.microsoft.com/office/drawing/2014/main" id="{92BD31F3-676A-261E-3EAA-07DE14DA99B7}"/>
               </a:ext>
             </a:extLst>
           </p:cNvPr>
@@ -1862,7 +1862,7 @@
           <a:bodyPr/>
           <a:lstStyle/>
           <a:p>
-            <a:fld id="{C4D98CCC-F6CD-4900-B606-15B4A29785B5}" type="slidenum">
+            <a:fld id="{EA878DA5-F6E7-4A3B-AE6F-69BB189780F2}" type="slidenum">
               <a:rPr lang="zh-CN" altLang="en-US" smtClean="0"/>
               <a:t>‹#›</a:t>
             </a:fld>
@@ -1873,7 +1873,7 @@
     </p:spTree>
     <p:extLst>
       <p:ext uri="{BB962C8B-B14F-4D97-AF65-F5344CB8AC3E}">
-        <p14:creationId xmlns:p14="http://schemas.microsoft.com/office/powerpoint/2010/main" val="3604972106"/>
+        <p14:creationId xmlns:p14="http://schemas.microsoft.com/office/powerpoint/2010/main" val="822777877"/>
       </p:ext>
     </p:extLst>
   </p:cSld>
@@ -1905,7 +1905,7 @@
           <p:cNvPr id="2" name="标题 1">
             <a:extLst>
               <a:ext uri="{FF2B5EF4-FFF2-40B4-BE49-F238E27FC236}">
-                <a16:creationId xmlns:a16="http://schemas.microsoft.com/office/drawing/2014/main" id="{C03966A8-DB95-0D18-A2C5-5A2572B1DBE0}"/>
+                <a16:creationId xmlns:a16="http://schemas.microsoft.com/office/drawing/2014/main" id="{33AE65B6-DBE6-C2A5-9BCA-4C18D84F59BE}"/>
               </a:ext>
             </a:extLst>
           </p:cNvPr>
@@ -1933,7 +1933,7 @@
           <p:cNvPr id="3" name="日期占位符 2">
             <a:extLst>
               <a:ext uri="{FF2B5EF4-FFF2-40B4-BE49-F238E27FC236}">
-                <a16:creationId xmlns:a16="http://schemas.microsoft.com/office/drawing/2014/main" id="{752E22C9-1021-69E2-0F91-9A927E69B645}"/>
+                <a16:creationId xmlns:a16="http://schemas.microsoft.com/office/drawing/2014/main" id="{097AD2AF-881B-9254-553C-127A3980892D}"/>
               </a:ext>
             </a:extLst>
           </p:cNvPr>
@@ -1949,7 +1949,7 @@
           <a:bodyPr/>
           <a:lstStyle/>
           <a:p>
-            <a:fld id="{369EBCD3-4040-480A-BFFF-4C758DFB1B1B}" type="datetimeFigureOut">
+            <a:fld id="{614CDC36-9BC2-4523-8E69-691F8B046996}" type="datetimeFigureOut">
               <a:rPr lang="zh-CN" altLang="en-US" smtClean="0"/>
               <a:t>2024/3/10</a:t>
             </a:fld>
@@ -1962,7 +1962,7 @@
           <p:cNvPr id="4" name="页脚占位符 3">
             <a:extLst>
               <a:ext uri="{FF2B5EF4-FFF2-40B4-BE49-F238E27FC236}">
-                <a16:creationId xmlns:a16="http://schemas.microsoft.com/office/drawing/2014/main" id="{56D623BF-A392-7511-53FF-6E796B747BFC}"/>
+                <a16:creationId xmlns:a16="http://schemas.microsoft.com/office/drawing/2014/main" id="{17CF5676-DC6E-375F-2021-D8507E1B36A9}"/>
               </a:ext>
             </a:extLst>
           </p:cNvPr>
@@ -1987,7 +1987,7 @@
           <p:cNvPr id="5" name="灯片编号占位符 4">
             <a:extLst>
               <a:ext uri="{FF2B5EF4-FFF2-40B4-BE49-F238E27FC236}">
-                <a16:creationId xmlns:a16="http://schemas.microsoft.com/office/drawing/2014/main" id="{AF87BD82-536A-F068-5FAB-F5B0A6524D03}"/>
+                <a16:creationId xmlns:a16="http://schemas.microsoft.com/office/drawing/2014/main" id="{02132C93-B3C0-A76D-DB94-9FE7682E7D94}"/>
               </a:ext>
             </a:extLst>
           </p:cNvPr>
@@ -2003,7 +2003,7 @@
           <a:bodyPr/>
           <a:lstStyle/>
           <a:p>
-            <a:fld id="{C4D98CCC-F6CD-4900-B606-15B4A29785B5}" type="slidenum">
+            <a:fld id="{EA878DA5-F6E7-4A3B-AE6F-69BB189780F2}" type="slidenum">
               <a:rPr lang="zh-CN" altLang="en-US" smtClean="0"/>
               <a:t>‹#›</a:t>
             </a:fld>
@@ -2014,7 +2014,7 @@
     </p:spTree>
     <p:extLst>
       <p:ext uri="{BB962C8B-B14F-4D97-AF65-F5344CB8AC3E}">
-        <p14:creationId xmlns:p14="http://schemas.microsoft.com/office/powerpoint/2010/main" val="1227746957"/>
+        <p14:creationId xmlns:p14="http://schemas.microsoft.com/office/powerpoint/2010/main" val="1078846021"/>
       </p:ext>
     </p:extLst>
   </p:cSld>
@@ -2046,7 +2046,7 @@
           <p:cNvPr id="2" name="日期占位符 1">
             <a:extLst>
               <a:ext uri="{FF2B5EF4-FFF2-40B4-BE49-F238E27FC236}">
-                <a16:creationId xmlns:a16="http://schemas.microsoft.com/office/drawing/2014/main" id="{10B827CA-8E05-FFD5-3E53-17956A780D14}"/>
+                <a16:creationId xmlns:a16="http://schemas.microsoft.com/office/drawing/2014/main" id="{2B00E074-6558-C44C-0B1E-61F1AAD4A56A}"/>
               </a:ext>
             </a:extLst>
           </p:cNvPr>
@@ -2062,7 +2062,7 @@
           <a:bodyPr/>
           <a:lstStyle/>
           <a:p>
-            <a:fld id="{369EBCD3-4040-480A-BFFF-4C758DFB1B1B}" type="datetimeFigureOut">
+            <a:fld id="{614CDC36-9BC2-4523-8E69-691F8B046996}" type="datetimeFigureOut">
               <a:rPr lang="zh-CN" altLang="en-US" smtClean="0"/>
               <a:t>2024/3/10</a:t>
             </a:fld>
@@ -2075,7 +2075,7 @@
           <p:cNvPr id="3" name="页脚占位符 2">
             <a:extLst>
               <a:ext uri="{FF2B5EF4-FFF2-40B4-BE49-F238E27FC236}">
-                <a16:creationId xmlns:a16="http://schemas.microsoft.com/office/drawing/2014/main" id="{61AD39ED-3645-0963-BD45-1E1C38B81ED4}"/>
+                <a16:creationId xmlns:a16="http://schemas.microsoft.com/office/drawing/2014/main" id="{B21AD61F-A2D9-1A2E-5679-769BF5DBBAB8}"/>
               </a:ext>
             </a:extLst>
           </p:cNvPr>
@@ -2100,7 +2100,7 @@
           <p:cNvPr id="4" name="灯片编号占位符 3">
             <a:extLst>
               <a:ext uri="{FF2B5EF4-FFF2-40B4-BE49-F238E27FC236}">
-                <a16:creationId xmlns:a16="http://schemas.microsoft.com/office/drawing/2014/main" id="{F7C9092D-1F4F-7354-8EEE-3B1439A3B1DB}"/>
+                <a16:creationId xmlns:a16="http://schemas.microsoft.com/office/drawing/2014/main" id="{A750B81D-DBE1-4CB4-B2C8-5DC500D406F2}"/>
               </a:ext>
             </a:extLst>
           </p:cNvPr>
@@ -2116,7 +2116,7 @@
           <a:bodyPr/>
           <a:lstStyle/>
           <a:p>
-            <a:fld id="{C4D98CCC-F6CD-4900-B606-15B4A29785B5}" type="slidenum">
+            <a:fld id="{EA878DA5-F6E7-4A3B-AE6F-69BB189780F2}" type="slidenum">
               <a:rPr lang="zh-CN" altLang="en-US" smtClean="0"/>
               <a:t>‹#›</a:t>
             </a:fld>
@@ -2127,7 +2127,7 @@
     </p:spTree>
     <p:extLst>
       <p:ext uri="{BB962C8B-B14F-4D97-AF65-F5344CB8AC3E}">
-        <p14:creationId xmlns:p14="http://schemas.microsoft.com/office/powerpoint/2010/main" val="2641848048"/>
+        <p14:creationId xmlns:p14="http://schemas.microsoft.com/office/powerpoint/2010/main" val="680783099"/>
       </p:ext>
     </p:extLst>
   </p:cSld>
@@ -2159,7 +2159,7 @@
           <p:cNvPr id="2" name="标题 1">
             <a:extLst>
               <a:ext uri="{FF2B5EF4-FFF2-40B4-BE49-F238E27FC236}">
-                <a16:creationId xmlns:a16="http://schemas.microsoft.com/office/drawing/2014/main" id="{209A678B-3226-3F63-229E-06C5F9B36BE9}"/>
+                <a16:creationId xmlns:a16="http://schemas.microsoft.com/office/drawing/2014/main" id="{99A6085B-F986-38A6-4B7E-33A833C67A3C}"/>
               </a:ext>
             </a:extLst>
           </p:cNvPr>
@@ -2196,7 +2196,7 @@
           <p:cNvPr id="3" name="内容占位符 2">
             <a:extLst>
               <a:ext uri="{FF2B5EF4-FFF2-40B4-BE49-F238E27FC236}">
-                <a16:creationId xmlns:a16="http://schemas.microsoft.com/office/drawing/2014/main" id="{E0B94B5A-B27A-C9ED-EF73-18B060A11A77}"/>
+                <a16:creationId xmlns:a16="http://schemas.microsoft.com/office/drawing/2014/main" id="{9935E4C5-7A0E-DC8A-CF60-83ADB899D186}"/>
               </a:ext>
             </a:extLst>
           </p:cNvPr>
@@ -2286,7 +2286,7 @@
           <p:cNvPr id="4" name="文本占位符 3">
             <a:extLst>
               <a:ext uri="{FF2B5EF4-FFF2-40B4-BE49-F238E27FC236}">
-                <a16:creationId xmlns:a16="http://schemas.microsoft.com/office/drawing/2014/main" id="{D83EC6C9-F5B1-1423-C3BE-4580801D34B5}"/>
+                <a16:creationId xmlns:a16="http://schemas.microsoft.com/office/drawing/2014/main" id="{1272499F-2F29-6985-06E8-23051A8D4A27}"/>
               </a:ext>
             </a:extLst>
           </p:cNvPr>
@@ -2357,7 +2357,7 @@
           <p:cNvPr id="5" name="日期占位符 4">
             <a:extLst>
               <a:ext uri="{FF2B5EF4-FFF2-40B4-BE49-F238E27FC236}">
-                <a16:creationId xmlns:a16="http://schemas.microsoft.com/office/drawing/2014/main" id="{F0E9C794-5BE3-703E-F130-CA78047CFB6A}"/>
+                <a16:creationId xmlns:a16="http://schemas.microsoft.com/office/drawing/2014/main" id="{927B03B4-6588-F8AA-78A8-1613AA5D7E46}"/>
               </a:ext>
             </a:extLst>
           </p:cNvPr>
@@ -2373,7 +2373,7 @@
           <a:bodyPr/>
           <a:lstStyle/>
           <a:p>
-            <a:fld id="{369EBCD3-4040-480A-BFFF-4C758DFB1B1B}" type="datetimeFigureOut">
+            <a:fld id="{614CDC36-9BC2-4523-8E69-691F8B046996}" type="datetimeFigureOut">
               <a:rPr lang="zh-CN" altLang="en-US" smtClean="0"/>
               <a:t>2024/3/10</a:t>
             </a:fld>
@@ -2386,7 +2386,7 @@
           <p:cNvPr id="6" name="页脚占位符 5">
             <a:extLst>
               <a:ext uri="{FF2B5EF4-FFF2-40B4-BE49-F238E27FC236}">
-                <a16:creationId xmlns:a16="http://schemas.microsoft.com/office/drawing/2014/main" id="{0A1BA215-447B-CF42-1C01-F4A9FC7E6941}"/>
+                <a16:creationId xmlns:a16="http://schemas.microsoft.com/office/drawing/2014/main" id="{72709D22-D853-9F85-269C-CED95FC51D81}"/>
               </a:ext>
             </a:extLst>
           </p:cNvPr>
@@ -2411,7 +2411,7 @@
           <p:cNvPr id="7" name="灯片编号占位符 6">
             <a:extLst>
               <a:ext uri="{FF2B5EF4-FFF2-40B4-BE49-F238E27FC236}">
-                <a16:creationId xmlns:a16="http://schemas.microsoft.com/office/drawing/2014/main" id="{CF7A3D84-0C1F-CE13-20C8-298E7C96B15F}"/>
+                <a16:creationId xmlns:a16="http://schemas.microsoft.com/office/drawing/2014/main" id="{EE507A0E-352E-DA8E-E48D-2BBB4CDC1EBD}"/>
               </a:ext>
             </a:extLst>
           </p:cNvPr>
@@ -2427,7 +2427,7 @@
           <a:bodyPr/>
           <a:lstStyle/>
           <a:p>
-            <a:fld id="{C4D98CCC-F6CD-4900-B606-15B4A29785B5}" type="slidenum">
+            <a:fld id="{EA878DA5-F6E7-4A3B-AE6F-69BB189780F2}" type="slidenum">
               <a:rPr lang="zh-CN" altLang="en-US" smtClean="0"/>
               <a:t>‹#›</a:t>
             </a:fld>
@@ -2438,7 +2438,7 @@
     </p:spTree>
     <p:extLst>
       <p:ext uri="{BB962C8B-B14F-4D97-AF65-F5344CB8AC3E}">
-        <p14:creationId xmlns:p14="http://schemas.microsoft.com/office/powerpoint/2010/main" val="319951783"/>
+        <p14:creationId xmlns:p14="http://schemas.microsoft.com/office/powerpoint/2010/main" val="3863274120"/>
       </p:ext>
     </p:extLst>
   </p:cSld>
@@ -2470,7 +2470,7 @@
           <p:cNvPr id="2" name="标题 1">
             <a:extLst>
               <a:ext uri="{FF2B5EF4-FFF2-40B4-BE49-F238E27FC236}">
-                <a16:creationId xmlns:a16="http://schemas.microsoft.com/office/drawing/2014/main" id="{DD85603F-0964-5BE8-3ED9-E57754DCE9C7}"/>
+                <a16:creationId xmlns:a16="http://schemas.microsoft.com/office/drawing/2014/main" id="{C03B6BD0-4E1E-DC98-A23B-91B3D32C9DE8}"/>
               </a:ext>
             </a:extLst>
           </p:cNvPr>
@@ -2507,7 +2507,7 @@
           <p:cNvPr id="3" name="图片占位符 2">
             <a:extLst>
               <a:ext uri="{FF2B5EF4-FFF2-40B4-BE49-F238E27FC236}">
-                <a16:creationId xmlns:a16="http://schemas.microsoft.com/office/drawing/2014/main" id="{41D4BC48-D9A8-13BA-4B7D-06EF2A067762}"/>
+                <a16:creationId xmlns:a16="http://schemas.microsoft.com/office/drawing/2014/main" id="{8C1652B3-B035-F44C-6687-A6FF1844C49B}"/>
               </a:ext>
             </a:extLst>
           </p:cNvPr>
@@ -2574,7 +2574,7 @@
           <p:cNvPr id="4" name="文本占位符 3">
             <a:extLst>
               <a:ext uri="{FF2B5EF4-FFF2-40B4-BE49-F238E27FC236}">
-                <a16:creationId xmlns:a16="http://schemas.microsoft.com/office/drawing/2014/main" id="{F97A8DDF-4BC3-FDCE-C400-358BDC403961}"/>
+                <a16:creationId xmlns:a16="http://schemas.microsoft.com/office/drawing/2014/main" id="{63F9928D-A7F6-8F0F-075A-A86DE5861FEB}"/>
               </a:ext>
             </a:extLst>
           </p:cNvPr>
@@ -2645,7 +2645,7 @@
           <p:cNvPr id="5" name="日期占位符 4">
             <a:extLst>
               <a:ext uri="{FF2B5EF4-FFF2-40B4-BE49-F238E27FC236}">
-                <a16:creationId xmlns:a16="http://schemas.microsoft.com/office/drawing/2014/main" id="{C14D8034-92C7-9A4B-8991-8A784CEF66DC}"/>
+                <a16:creationId xmlns:a16="http://schemas.microsoft.com/office/drawing/2014/main" id="{1E82BCCF-1083-F666-7FF0-D3E4484F4235}"/>
               </a:ext>
             </a:extLst>
           </p:cNvPr>
@@ -2661,7 +2661,7 @@
           <a:bodyPr/>
           <a:lstStyle/>
           <a:p>
-            <a:fld id="{369EBCD3-4040-480A-BFFF-4C758DFB1B1B}" type="datetimeFigureOut">
+            <a:fld id="{614CDC36-9BC2-4523-8E69-691F8B046996}" type="datetimeFigureOut">
               <a:rPr lang="zh-CN" altLang="en-US" smtClean="0"/>
               <a:t>2024/3/10</a:t>
             </a:fld>
@@ -2674,7 +2674,7 @@
           <p:cNvPr id="6" name="页脚占位符 5">
             <a:extLst>
               <a:ext uri="{FF2B5EF4-FFF2-40B4-BE49-F238E27FC236}">
-                <a16:creationId xmlns:a16="http://schemas.microsoft.com/office/drawing/2014/main" id="{FA288876-3BB0-2559-7DFF-6C11AF025230}"/>
+                <a16:creationId xmlns:a16="http://schemas.microsoft.com/office/drawing/2014/main" id="{DF80DFC2-2C48-29D8-EC12-CF21E415A66C}"/>
               </a:ext>
             </a:extLst>
           </p:cNvPr>
@@ -2699,7 +2699,7 @@
           <p:cNvPr id="7" name="灯片编号占位符 6">
             <a:extLst>
               <a:ext uri="{FF2B5EF4-FFF2-40B4-BE49-F238E27FC236}">
-                <a16:creationId xmlns:a16="http://schemas.microsoft.com/office/drawing/2014/main" id="{6818478E-4150-9A67-2785-D69B279BCD1B}"/>
+                <a16:creationId xmlns:a16="http://schemas.microsoft.com/office/drawing/2014/main" id="{03F76B05-E4FF-8285-0FF7-1CCE4FAD32C2}"/>
               </a:ext>
             </a:extLst>
           </p:cNvPr>
@@ -2715,7 +2715,7 @@
           <a:bodyPr/>
           <a:lstStyle/>
           <a:p>
-            <a:fld id="{C4D98CCC-F6CD-4900-B606-15B4A29785B5}" type="slidenum">
+            <a:fld id="{EA878DA5-F6E7-4A3B-AE6F-69BB189780F2}" type="slidenum">
               <a:rPr lang="zh-CN" altLang="en-US" smtClean="0"/>
               <a:t>‹#›</a:t>
             </a:fld>
@@ -2726,7 +2726,7 @@
     </p:spTree>
     <p:extLst>
       <p:ext uri="{BB962C8B-B14F-4D97-AF65-F5344CB8AC3E}">
-        <p14:creationId xmlns:p14="http://schemas.microsoft.com/office/powerpoint/2010/main" val="3210354640"/>
+        <p14:creationId xmlns:p14="http://schemas.microsoft.com/office/powerpoint/2010/main" val="2621459610"/>
       </p:ext>
     </p:extLst>
   </p:cSld>
@@ -2763,7 +2763,7 @@
           <p:cNvPr id="2" name="标题占位符 1">
             <a:extLst>
               <a:ext uri="{FF2B5EF4-FFF2-40B4-BE49-F238E27FC236}">
-                <a16:creationId xmlns:a16="http://schemas.microsoft.com/office/drawing/2014/main" id="{2CCFC543-850F-CD9E-2E45-BFDA5E6A39E1}"/>
+                <a16:creationId xmlns:a16="http://schemas.microsoft.com/office/drawing/2014/main" id="{8900074C-CB11-054D-71DF-0A1578784EEB}"/>
               </a:ext>
             </a:extLst>
           </p:cNvPr>
@@ -2801,7 +2801,7 @@
           <p:cNvPr id="3" name="文本占位符 2">
             <a:extLst>
               <a:ext uri="{FF2B5EF4-FFF2-40B4-BE49-F238E27FC236}">
-                <a16:creationId xmlns:a16="http://schemas.microsoft.com/office/drawing/2014/main" id="{900723CC-6FB3-C349-61BE-08A6AB712E56}"/>
+                <a16:creationId xmlns:a16="http://schemas.microsoft.com/office/drawing/2014/main" id="{9B39B818-49F9-7AD1-3352-B359C3EE5F22}"/>
               </a:ext>
             </a:extLst>
           </p:cNvPr>
@@ -2868,7 +2868,7 @@
           <p:cNvPr id="4" name="日期占位符 3">
             <a:extLst>
               <a:ext uri="{FF2B5EF4-FFF2-40B4-BE49-F238E27FC236}">
-                <a16:creationId xmlns:a16="http://schemas.microsoft.com/office/drawing/2014/main" id="{31AD8CE1-5335-3DC5-875C-A61D165BC3E9}"/>
+                <a16:creationId xmlns:a16="http://schemas.microsoft.com/office/drawing/2014/main" id="{262ADFDE-F955-DA78-57AB-1EF0E8177EC1}"/>
               </a:ext>
             </a:extLst>
           </p:cNvPr>
@@ -2902,7 +2902,7 @@
             </a:lvl1pPr>
           </a:lstStyle>
           <a:p>
-            <a:fld id="{369EBCD3-4040-480A-BFFF-4C758DFB1B1B}" type="datetimeFigureOut">
+            <a:fld id="{614CDC36-9BC2-4523-8E69-691F8B046996}" type="datetimeFigureOut">
               <a:rPr lang="zh-CN" altLang="en-US" smtClean="0"/>
               <a:t>2024/3/10</a:t>
             </a:fld>
@@ -2915,7 +2915,7 @@
           <p:cNvPr id="5" name="页脚占位符 4">
             <a:extLst>
               <a:ext uri="{FF2B5EF4-FFF2-40B4-BE49-F238E27FC236}">
-                <a16:creationId xmlns:a16="http://schemas.microsoft.com/office/drawing/2014/main" id="{AED868A3-28AF-3ACF-D042-C95E618EB92C}"/>
+                <a16:creationId xmlns:a16="http://schemas.microsoft.com/office/drawing/2014/main" id="{CD5EAE6C-6DC9-C819-F465-A4E24FF2ACC8}"/>
               </a:ext>
             </a:extLst>
           </p:cNvPr>
@@ -2958,7 +2958,7 @@
           <p:cNvPr id="6" name="灯片编号占位符 5">
             <a:extLst>
               <a:ext uri="{FF2B5EF4-FFF2-40B4-BE49-F238E27FC236}">
-                <a16:creationId xmlns:a16="http://schemas.microsoft.com/office/drawing/2014/main" id="{7B3D68C8-0DC0-8F80-DCEA-6A7F21906865}"/>
+                <a16:creationId xmlns:a16="http://schemas.microsoft.com/office/drawing/2014/main" id="{DFBEC583-D448-B06A-C14C-41E74A09AD86}"/>
               </a:ext>
             </a:extLst>
           </p:cNvPr>
@@ -2992,7 +2992,7 @@
             </a:lvl1pPr>
           </a:lstStyle>
           <a:p>
-            <a:fld id="{C4D98CCC-F6CD-4900-B606-15B4A29785B5}" type="slidenum">
+            <a:fld id="{EA878DA5-F6E7-4A3B-AE6F-69BB189780F2}" type="slidenum">
               <a:rPr lang="zh-CN" altLang="en-US" smtClean="0"/>
               <a:t>‹#›</a:t>
             </a:fld>
@@ -3003,7 +3003,7 @@
     </p:spTree>
     <p:extLst>
       <p:ext uri="{BB962C8B-B14F-4D97-AF65-F5344CB8AC3E}">
-        <p14:creationId xmlns:p14="http://schemas.microsoft.com/office/powerpoint/2010/main" val="2040858124"/>
+        <p14:creationId xmlns:p14="http://schemas.microsoft.com/office/powerpoint/2010/main" val="2379123520"/>
       </p:ext>
     </p:extLst>
   </p:cSld>
